--- a/December_7_2024/Kubernetes 12-7.pptx
+++ b/December_7_2024/Kubernetes 12-7.pptx
@@ -123,6 +123,11 @@
       </a:defRPr>
     </a:lvl9pPr>
   </p:defaultTextStyle>
+  <p:extLst>
+    <p:ext uri="{EFAFB233-063F-42B5-8137-9DF3F51BA10A}">
+      <p15:sldGuideLst xmlns:p15="http://schemas.microsoft.com/office/powerpoint/2012/main"/>
+    </p:ext>
+  </p:extLst>
 </p:presentation>
 </file>
 
@@ -131,12 +136,12 @@
   <pc:docChgLst>
     <pc:chgData name="Joseph Richardson" userId="35ffd1f7765a3e14" providerId="LiveId" clId="{99067FBB-4201-438F-ADED-549AB9AA5A9B}"/>
     <pc:docChg chg="custSel modSld">
-      <pc:chgData name="Joseph Richardson" userId="35ffd1f7765a3e14" providerId="LiveId" clId="{99067FBB-4201-438F-ADED-549AB9AA5A9B}" dt="2024-12-07T16:51:30.474" v="274" actId="20577"/>
+      <pc:chgData name="Joseph Richardson" userId="35ffd1f7765a3e14" providerId="LiveId" clId="{99067FBB-4201-438F-ADED-549AB9AA5A9B}" dt="2024-12-07T17:00:56.787" v="335" actId="20577"/>
       <pc:docMkLst>
         <pc:docMk/>
       </pc:docMkLst>
       <pc:sldChg chg="modSp mod">
-        <pc:chgData name="Joseph Richardson" userId="35ffd1f7765a3e14" providerId="LiveId" clId="{99067FBB-4201-438F-ADED-549AB9AA5A9B}" dt="2024-12-07T16:51:30.474" v="274" actId="20577"/>
+        <pc:chgData name="Joseph Richardson" userId="35ffd1f7765a3e14" providerId="LiveId" clId="{99067FBB-4201-438F-ADED-549AB9AA5A9B}" dt="2024-12-07T17:00:23.034" v="284" actId="20577"/>
         <pc:sldMkLst>
           <pc:docMk/>
           <pc:sldMk cId="2272404273" sldId="272"/>
@@ -150,7 +155,7 @@
           </ac:spMkLst>
         </pc:spChg>
         <pc:spChg chg="mod">
-          <ac:chgData name="Joseph Richardson" userId="35ffd1f7765a3e14" providerId="LiveId" clId="{99067FBB-4201-438F-ADED-549AB9AA5A9B}" dt="2024-12-07T16:51:24.429" v="251" actId="27636"/>
+          <ac:chgData name="Joseph Richardson" userId="35ffd1f7765a3e14" providerId="LiveId" clId="{99067FBB-4201-438F-ADED-549AB9AA5A9B}" dt="2024-12-07T17:00:23.034" v="284" actId="20577"/>
           <ac:spMkLst>
             <pc:docMk/>
             <pc:sldMk cId="2272404273" sldId="272"/>
@@ -158,12 +163,20 @@
           </ac:spMkLst>
         </pc:spChg>
       </pc:sldChg>
-      <pc:sldChg chg="modNotesTx">
-        <pc:chgData name="Joseph Richardson" userId="35ffd1f7765a3e14" providerId="LiveId" clId="{99067FBB-4201-438F-ADED-549AB9AA5A9B}" dt="2024-12-07T16:43:42.862" v="191"/>
+      <pc:sldChg chg="modSp mod modNotesTx">
+        <pc:chgData name="Joseph Richardson" userId="35ffd1f7765a3e14" providerId="LiveId" clId="{99067FBB-4201-438F-ADED-549AB9AA5A9B}" dt="2024-12-07T17:00:56.787" v="335" actId="20577"/>
         <pc:sldMkLst>
           <pc:docMk/>
           <pc:sldMk cId="2102954878" sldId="275"/>
         </pc:sldMkLst>
+        <pc:spChg chg="mod">
+          <ac:chgData name="Joseph Richardson" userId="35ffd1f7765a3e14" providerId="LiveId" clId="{99067FBB-4201-438F-ADED-549AB9AA5A9B}" dt="2024-12-07T17:00:56.787" v="335" actId="20577"/>
+          <ac:spMkLst>
+            <pc:docMk/>
+            <pc:sldMk cId="2102954878" sldId="275"/>
+            <ac:spMk id="5" creationId="{72663432-EA41-EAEA-A638-427B2842C663}"/>
+          </ac:spMkLst>
+        </pc:spChg>
       </pc:sldChg>
     </pc:docChg>
   </pc:docChgLst>
@@ -28814,13 +28827,7 @@
           <a:p>
             <a:r>
               <a:rPr lang="en-US" dirty="0"/>
-              <a:t>An unethical startup</a:t>
-            </a:r>
-          </a:p>
-          <a:p>
-            <a:r>
-              <a:rPr lang="en-US" dirty="0"/>
-              <a:t>A pretty good startup</a:t>
+              <a:t>A couple startups</a:t>
             </a:r>
           </a:p>
           <a:p>
@@ -29853,54 +29860,65 @@
           <a:lstStyle/>
           <a:p>
             <a:r>
-              <a:rPr lang="en-US" sz="1700"/>
+              <a:rPr lang="en-US" sz="1700" dirty="0"/>
               <a:t>Software engineer who left the shire</a:t>
             </a:r>
           </a:p>
           <a:p>
             <a:r>
-              <a:rPr lang="en-US" sz="1700"/>
+              <a:rPr lang="en-US" sz="1700" dirty="0"/>
               <a:t>Unintended job-hopper, but well paid</a:t>
             </a:r>
           </a:p>
           <a:p>
             <a:r>
-              <a:rPr lang="en-US" sz="1700"/>
+              <a:rPr lang="en-US" sz="1700" dirty="0"/>
               <a:t>Married 6 years, 3 kids, met 1</a:t>
             </a:r>
             <a:r>
-              <a:rPr lang="en-US" sz="1700" baseline="30000"/>
+              <a:rPr lang="en-US" sz="1700" baseline="30000" dirty="0"/>
               <a:t>st</a:t>
             </a:r>
             <a:r>
-              <a:rPr lang="en-US" sz="1700"/>
+              <a:rPr lang="en-US" sz="1700" dirty="0"/>
               <a:t> year in college</a:t>
             </a:r>
           </a:p>
           <a:p>
             <a:r>
-              <a:rPr lang="en-US" sz="1700"/>
+              <a:rPr lang="en-US" sz="1700" dirty="0"/>
               <a:t>Re-plumbed both houses I’ve bought</a:t>
             </a:r>
           </a:p>
           <a:p>
             <a:pPr lvl="1"/>
             <a:r>
-              <a:rPr lang="en-US" sz="1700"/>
+              <a:rPr lang="en-US" sz="1700" dirty="0"/>
               <a:t>Lots of house projects</a:t>
             </a:r>
           </a:p>
           <a:p>
             <a:r>
-              <a:rPr lang="en-US" sz="1700"/>
+              <a:rPr lang="en-US" sz="1700" dirty="0"/>
               <a:t>Cedarville University grad, Computer Engineering</a:t>
             </a:r>
           </a:p>
           <a:p>
             <a:r>
+              <a:rPr lang="en-US" sz="1700" dirty="0"/>
+              <a:t>Initially really hated the cloud</a:t>
+            </a:r>
+          </a:p>
+          <a:p>
+            <a:r>
+              <a:rPr lang="en-US" sz="1700" dirty="0"/>
+              <a:t>Still dislike </a:t>
+            </a:r>
+            <a:r>
               <a:rPr lang="en-US" sz="1700"/>
-              <a:t>Initially hated cloud because ethereal</a:t>
+              <a:t>dynamic typing</a:t>
             </a:r>
+            <a:endParaRPr lang="en-US" sz="1700" dirty="0"/>
           </a:p>
         </p:txBody>
       </p:sp>
